--- a/SI/SI_Fig1_quantif.pptx
+++ b/SI/SI_Fig1_quantif.pptx
@@ -6,6 +6,7 @@
   </p:sldMasterIdLst>
   <p:sldIdLst>
     <p:sldId id="272" r:id="rId2"/>
+    <p:sldId id="273" r:id="rId3"/>
   </p:sldIdLst>
   <p:sldSz cx="6858000" cy="9906000" type="A4"/>
   <p:notesSz cx="6858000" cy="9144000"/>
@@ -243,7 +244,7 @@
           <a:p>
             <a:fld id="{1ABFC340-4BEE-ED44-826C-0ED8C20F9E24}" type="datetimeFigureOut">
               <a:rPr lang="en-US" smtClean="0"/>
-              <a:t>12/22/23</a:t>
+              <a:t>6/25/24</a:t>
             </a:fld>
             <a:endParaRPr lang="en-US"/>
           </a:p>
@@ -413,7 +414,7 @@
           <a:p>
             <a:fld id="{1ABFC340-4BEE-ED44-826C-0ED8C20F9E24}" type="datetimeFigureOut">
               <a:rPr lang="en-US" smtClean="0"/>
-              <a:t>12/22/23</a:t>
+              <a:t>6/25/24</a:t>
             </a:fld>
             <a:endParaRPr lang="en-US"/>
           </a:p>
@@ -593,7 +594,7 @@
           <a:p>
             <a:fld id="{1ABFC340-4BEE-ED44-826C-0ED8C20F9E24}" type="datetimeFigureOut">
               <a:rPr lang="en-US" smtClean="0"/>
-              <a:t>12/22/23</a:t>
+              <a:t>6/25/24</a:t>
             </a:fld>
             <a:endParaRPr lang="en-US"/>
           </a:p>
@@ -763,7 +764,7 @@
           <a:p>
             <a:fld id="{1ABFC340-4BEE-ED44-826C-0ED8C20F9E24}" type="datetimeFigureOut">
               <a:rPr lang="en-US" smtClean="0"/>
-              <a:t>12/22/23</a:t>
+              <a:t>6/25/24</a:t>
             </a:fld>
             <a:endParaRPr lang="en-US"/>
           </a:p>
@@ -1007,7 +1008,7 @@
           <a:p>
             <a:fld id="{1ABFC340-4BEE-ED44-826C-0ED8C20F9E24}" type="datetimeFigureOut">
               <a:rPr lang="en-US" smtClean="0"/>
-              <a:t>12/22/23</a:t>
+              <a:t>6/25/24</a:t>
             </a:fld>
             <a:endParaRPr lang="en-US"/>
           </a:p>
@@ -1239,7 +1240,7 @@
           <a:p>
             <a:fld id="{1ABFC340-4BEE-ED44-826C-0ED8C20F9E24}" type="datetimeFigureOut">
               <a:rPr lang="en-US" smtClean="0"/>
-              <a:t>12/22/23</a:t>
+              <a:t>6/25/24</a:t>
             </a:fld>
             <a:endParaRPr lang="en-US"/>
           </a:p>
@@ -1606,7 +1607,7 @@
           <a:p>
             <a:fld id="{1ABFC340-4BEE-ED44-826C-0ED8C20F9E24}" type="datetimeFigureOut">
               <a:rPr lang="en-US" smtClean="0"/>
-              <a:t>12/22/23</a:t>
+              <a:t>6/25/24</a:t>
             </a:fld>
             <a:endParaRPr lang="en-US"/>
           </a:p>
@@ -1724,7 +1725,7 @@
           <a:p>
             <a:fld id="{1ABFC340-4BEE-ED44-826C-0ED8C20F9E24}" type="datetimeFigureOut">
               <a:rPr lang="en-US" smtClean="0"/>
-              <a:t>12/22/23</a:t>
+              <a:t>6/25/24</a:t>
             </a:fld>
             <a:endParaRPr lang="en-US"/>
           </a:p>
@@ -1819,7 +1820,7 @@
           <a:p>
             <a:fld id="{1ABFC340-4BEE-ED44-826C-0ED8C20F9E24}" type="datetimeFigureOut">
               <a:rPr lang="en-US" smtClean="0"/>
-              <a:t>12/22/23</a:t>
+              <a:t>6/25/24</a:t>
             </a:fld>
             <a:endParaRPr lang="en-US"/>
           </a:p>
@@ -2096,7 +2097,7 @@
           <a:p>
             <a:fld id="{1ABFC340-4BEE-ED44-826C-0ED8C20F9E24}" type="datetimeFigureOut">
               <a:rPr lang="en-US" smtClean="0"/>
-              <a:t>12/22/23</a:t>
+              <a:t>6/25/24</a:t>
             </a:fld>
             <a:endParaRPr lang="en-US"/>
           </a:p>
@@ -2353,7 +2354,7 @@
           <a:p>
             <a:fld id="{1ABFC340-4BEE-ED44-826C-0ED8C20F9E24}" type="datetimeFigureOut">
               <a:rPr lang="en-US" smtClean="0"/>
-              <a:t>12/22/23</a:t>
+              <a:t>6/25/24</a:t>
             </a:fld>
             <a:endParaRPr lang="en-US"/>
           </a:p>
@@ -2566,7 +2567,7 @@
           <a:p>
             <a:fld id="{1ABFC340-4BEE-ED44-826C-0ED8C20F9E24}" type="datetimeFigureOut">
               <a:rPr lang="en-US" smtClean="0"/>
-              <a:t>12/22/23</a:t>
+              <a:t>6/25/24</a:t>
             </a:fld>
             <a:endParaRPr lang="en-US"/>
           </a:p>
@@ -2986,7 +2987,7 @@
         <p:spPr>
           <a:xfrm>
             <a:off x="5463788" y="5623401"/>
-            <a:ext cx="333114" cy="230832"/>
+            <a:ext cx="388248" cy="230832"/>
           </a:xfrm>
           <a:prstGeom prst="rect">
             <a:avLst/>
@@ -3001,21 +3002,24 @@
           <a:p>
             <a:r>
               <a:rPr lang="en-US" sz="900" dirty="0" err="1">
-                <a:latin typeface="Helvetica Neue Light" panose="02000403000000020004" pitchFamily="2" charset="0"/>
+                <a:latin typeface="Arial" panose="020B0604020202020204" pitchFamily="34" charset="0"/>
                 <a:ea typeface="Helvetica Neue Light" panose="02000403000000020004" pitchFamily="2" charset="0"/>
+                <a:cs typeface="Arial" panose="020B0604020202020204" pitchFamily="34" charset="0"/>
               </a:rPr>
               <a:t>f</a:t>
             </a:r>
             <a:r>
               <a:rPr lang="en-US" sz="900" baseline="-25000" dirty="0" err="1">
-                <a:latin typeface="Helvetica Neue Light" panose="02000403000000020004" pitchFamily="2" charset="0"/>
+                <a:latin typeface="Arial" panose="020B0604020202020204" pitchFamily="34" charset="0"/>
                 <a:ea typeface="Helvetica Neue Light" panose="02000403000000020004" pitchFamily="2" charset="0"/>
+                <a:cs typeface="Arial" panose="020B0604020202020204" pitchFamily="34" charset="0"/>
               </a:rPr>
               <a:t>burst</a:t>
             </a:r>
             <a:endParaRPr lang="en-US" sz="900" dirty="0">
-              <a:latin typeface="Helvetica Neue Light" panose="02000403000000020004" pitchFamily="2" charset="0"/>
+              <a:latin typeface="Arial" panose="020B0604020202020204" pitchFamily="34" charset="0"/>
               <a:ea typeface="Helvetica Neue Light" panose="02000403000000020004" pitchFamily="2" charset="0"/>
+              <a:cs typeface="Arial" panose="020B0604020202020204" pitchFamily="34" charset="0"/>
             </a:endParaRPr>
           </a:p>
         </p:txBody>
@@ -3193,7 +3197,7 @@
         <p:spPr>
           <a:xfrm>
             <a:off x="5439373" y="6429644"/>
-            <a:ext cx="302604" cy="230832"/>
+            <a:ext cx="364202" cy="230832"/>
           </a:xfrm>
           <a:prstGeom prst="rect">
             <a:avLst/>
@@ -3208,8 +3212,9 @@
           <a:p>
             <a:r>
               <a:rPr lang="en-US" sz="900" dirty="0">
-                <a:latin typeface="Helvetica Neue Light" panose="02000403000000020004" pitchFamily="2" charset="0"/>
+                <a:latin typeface="Arial" panose="020B0604020202020204" pitchFamily="34" charset="0"/>
                 <a:ea typeface="Helvetica Neue Light" panose="02000403000000020004" pitchFamily="2" charset="0"/>
+                <a:cs typeface="Arial" panose="020B0604020202020204" pitchFamily="34" charset="0"/>
               </a:rPr>
               <a:t>IBF</a:t>
             </a:r>
@@ -3231,7 +3236,7 @@
         <p:spPr>
           <a:xfrm>
             <a:off x="6044342" y="6429644"/>
-            <a:ext cx="406614" cy="230832"/>
+            <a:ext cx="415498" cy="230832"/>
           </a:xfrm>
           <a:prstGeom prst="rect">
             <a:avLst/>
@@ -3246,8 +3251,9 @@
           <a:p>
             <a:r>
               <a:rPr lang="en-US" sz="900" dirty="0">
-                <a:latin typeface="Helvetica Neue Light" panose="02000403000000020004" pitchFamily="2" charset="0"/>
+                <a:latin typeface="Arial" panose="020B0604020202020204" pitchFamily="34" charset="0"/>
                 <a:ea typeface="Helvetica Neue Light" panose="02000403000000020004" pitchFamily="2" charset="0"/>
+                <a:cs typeface="Arial" panose="020B0604020202020204" pitchFamily="34" charset="0"/>
               </a:rPr>
               <a:t>SPB</a:t>
             </a:r>
@@ -3269,7 +3275,7 @@
         <p:spPr>
           <a:xfrm>
             <a:off x="6034311" y="6253247"/>
-            <a:ext cx="333114" cy="200055"/>
+            <a:ext cx="385042" cy="200055"/>
           </a:xfrm>
           <a:prstGeom prst="rect">
             <a:avLst/>
@@ -3284,8 +3290,9 @@
           <a:p>
             <a:r>
               <a:rPr lang="en-US" sz="700" dirty="0">
-                <a:latin typeface="Helvetica Neue Light" panose="02000403000000020004" pitchFamily="2" charset="0"/>
+                <a:latin typeface="Arial" panose="020B0604020202020204" pitchFamily="34" charset="0"/>
                 <a:ea typeface="Helvetica Neue Light" panose="02000403000000020004" pitchFamily="2" charset="0"/>
+                <a:cs typeface="Arial" panose="020B0604020202020204" pitchFamily="34" charset="0"/>
               </a:rPr>
               <a:t>1 2 3</a:t>
             </a:r>
@@ -3307,7 +3314,7 @@
         <p:spPr>
           <a:xfrm>
             <a:off x="2288145" y="6429644"/>
-            <a:ext cx="617477" cy="230832"/>
+            <a:ext cx="627095" cy="230832"/>
           </a:xfrm>
           <a:prstGeom prst="rect">
             <a:avLst/>
@@ -3322,29 +3329,33 @@
           <a:p>
             <a:r>
               <a:rPr lang="en-US" sz="900" dirty="0" err="1">
-                <a:latin typeface="Helvetica Neue Light" panose="02000403000000020004" pitchFamily="2" charset="0"/>
+                <a:latin typeface="Arial" panose="020B0604020202020204" pitchFamily="34" charset="0"/>
                 <a:ea typeface="Helvetica Neue Light" panose="02000403000000020004" pitchFamily="2" charset="0"/>
+                <a:cs typeface="Arial" panose="020B0604020202020204" pitchFamily="34" charset="0"/>
               </a:rPr>
               <a:t>f</a:t>
             </a:r>
             <a:r>
               <a:rPr lang="en-US" sz="900" baseline="-25000" dirty="0" err="1">
-                <a:latin typeface="Helvetica Neue Light" panose="02000403000000020004" pitchFamily="2" charset="0"/>
+                <a:latin typeface="Arial" panose="020B0604020202020204" pitchFamily="34" charset="0"/>
                 <a:ea typeface="Helvetica Neue Light" panose="02000403000000020004" pitchFamily="2" charset="0"/>
+                <a:cs typeface="Arial" panose="020B0604020202020204" pitchFamily="34" charset="0"/>
               </a:rPr>
               <a:t>burst</a:t>
             </a:r>
             <a:r>
               <a:rPr lang="en-US" sz="900" baseline="-25000" dirty="0">
-                <a:latin typeface="Helvetica Neue Light" panose="02000403000000020004" pitchFamily="2" charset="0"/>
+                <a:latin typeface="Arial" panose="020B0604020202020204" pitchFamily="34" charset="0"/>
                 <a:ea typeface="Helvetica Neue Light" panose="02000403000000020004" pitchFamily="2" charset="0"/>
+                <a:cs typeface="Arial" panose="020B0604020202020204" pitchFamily="34" charset="0"/>
               </a:rPr>
               <a:t> </a:t>
             </a:r>
             <a:r>
               <a:rPr lang="en-US" sz="900" dirty="0">
-                <a:latin typeface="Helvetica Neue Light" panose="02000403000000020004" pitchFamily="2" charset="0"/>
+                <a:latin typeface="Arial" panose="020B0604020202020204" pitchFamily="34" charset="0"/>
                 <a:ea typeface="Helvetica Neue Light" panose="02000403000000020004" pitchFamily="2" charset="0"/>
+                <a:cs typeface="Arial" panose="020B0604020202020204" pitchFamily="34" charset="0"/>
               </a:rPr>
               <a:t>(Hz)</a:t>
             </a:r>
@@ -3366,7 +3377,7 @@
         <p:spPr>
           <a:xfrm>
             <a:off x="3430869" y="6429644"/>
-            <a:ext cx="591829" cy="230832"/>
+            <a:ext cx="614271" cy="230832"/>
           </a:xfrm>
           <a:prstGeom prst="rect">
             <a:avLst/>
@@ -3381,8 +3392,9 @@
           <a:p>
             <a:r>
               <a:rPr lang="en-US" sz="900" dirty="0">
-                <a:latin typeface="Helvetica Neue Light" panose="02000403000000020004" pitchFamily="2" charset="0"/>
+                <a:latin typeface="Arial" panose="020B0604020202020204" pitchFamily="34" charset="0"/>
                 <a:ea typeface="Helvetica Neue Light" panose="02000403000000020004" pitchFamily="2" charset="0"/>
+                <a:cs typeface="Arial" panose="020B0604020202020204" pitchFamily="34" charset="0"/>
               </a:rPr>
               <a:t>IBF (Hz)</a:t>
             </a:r>
@@ -3404,7 +3416,7 @@
         <p:spPr>
           <a:xfrm>
             <a:off x="4617175" y="6429644"/>
-            <a:ext cx="405880" cy="230832"/>
+            <a:ext cx="415498" cy="230832"/>
           </a:xfrm>
           <a:prstGeom prst="rect">
             <a:avLst/>
@@ -3419,8 +3431,9 @@
           <a:p>
             <a:r>
               <a:rPr lang="en-US" sz="900" dirty="0">
-                <a:latin typeface="Helvetica Neue Light" panose="02000403000000020004" pitchFamily="2" charset="0"/>
+                <a:latin typeface="Arial" panose="020B0604020202020204" pitchFamily="34" charset="0"/>
                 <a:ea typeface="Helvetica Neue Light" panose="02000403000000020004" pitchFamily="2" charset="0"/>
+                <a:cs typeface="Arial" panose="020B0604020202020204" pitchFamily="34" charset="0"/>
               </a:rPr>
               <a:t>SPB</a:t>
             </a:r>
@@ -3458,8 +3471,9 @@
             <a:pPr algn="r"/>
             <a:r>
               <a:rPr lang="en-US" sz="700" dirty="0">
-                <a:latin typeface="Helvetica Neue Light" panose="02000403000000020004" pitchFamily="2" charset="0"/>
+                <a:latin typeface="Arial" panose="020B0604020202020204" pitchFamily="34" charset="0"/>
                 <a:ea typeface="Helvetica Neue Light" panose="02000403000000020004" pitchFamily="2" charset="0"/>
+                <a:cs typeface="Arial" panose="020B0604020202020204" pitchFamily="34" charset="0"/>
               </a:rPr>
               <a:t>3</a:t>
             </a:r>
@@ -3497,8 +3511,9 @@
             <a:pPr algn="r"/>
             <a:r>
               <a:rPr lang="en-US" sz="700" dirty="0">
-                <a:latin typeface="Helvetica Neue Light" panose="02000403000000020004" pitchFamily="2" charset="0"/>
+                <a:latin typeface="Arial" panose="020B0604020202020204" pitchFamily="34" charset="0"/>
                 <a:ea typeface="Helvetica Neue Light" panose="02000403000000020004" pitchFamily="2" charset="0"/>
+                <a:cs typeface="Arial" panose="020B0604020202020204" pitchFamily="34" charset="0"/>
               </a:rPr>
               <a:t>4</a:t>
             </a:r>
@@ -3536,8 +3551,9 @@
             <a:pPr algn="r"/>
             <a:r>
               <a:rPr lang="en-US" sz="700" dirty="0">
-                <a:latin typeface="Helvetica Neue Light" panose="02000403000000020004" pitchFamily="2" charset="0"/>
+                <a:latin typeface="Arial" panose="020B0604020202020204" pitchFamily="34" charset="0"/>
                 <a:ea typeface="Helvetica Neue Light" panose="02000403000000020004" pitchFamily="2" charset="0"/>
+                <a:cs typeface="Arial" panose="020B0604020202020204" pitchFamily="34" charset="0"/>
               </a:rPr>
               <a:t>0</a:t>
             </a:r>
@@ -3575,8 +3591,9 @@
             <a:pPr algn="r"/>
             <a:r>
               <a:rPr lang="en-US" sz="700" dirty="0">
-                <a:latin typeface="Helvetica Neue Light" panose="02000403000000020004" pitchFamily="2" charset="0"/>
+                <a:latin typeface="Arial" panose="020B0604020202020204" pitchFamily="34" charset="0"/>
                 <a:ea typeface="Helvetica Neue Light" panose="02000403000000020004" pitchFamily="2" charset="0"/>
+                <a:cs typeface="Arial" panose="020B0604020202020204" pitchFamily="34" charset="0"/>
               </a:rPr>
               <a:t>100</a:t>
             </a:r>
@@ -3614,8 +3631,9 @@
             <a:pPr algn="r"/>
             <a:r>
               <a:rPr lang="en-US" sz="700" dirty="0">
-                <a:latin typeface="Helvetica Neue Light" panose="02000403000000020004" pitchFamily="2" charset="0"/>
+                <a:latin typeface="Arial" panose="020B0604020202020204" pitchFamily="34" charset="0"/>
                 <a:ea typeface="Helvetica Neue Light" panose="02000403000000020004" pitchFamily="2" charset="0"/>
+                <a:cs typeface="Arial" panose="020B0604020202020204" pitchFamily="34" charset="0"/>
               </a:rPr>
               <a:t>2</a:t>
             </a:r>
@@ -3740,8 +3758,9 @@
             <a:pPr algn="r"/>
             <a:r>
               <a:rPr lang="en-US" sz="700" dirty="0">
-                <a:latin typeface="Helvetica Neue Light" panose="02000403000000020004" pitchFamily="2" charset="0"/>
+                <a:latin typeface="Arial" panose="020B0604020202020204" pitchFamily="34" charset="0"/>
                 <a:ea typeface="Helvetica Neue Light" panose="02000403000000020004" pitchFamily="2" charset="0"/>
+                <a:cs typeface="Arial" panose="020B0604020202020204" pitchFamily="34" charset="0"/>
               </a:rPr>
               <a:t>3</a:t>
             </a:r>
@@ -3779,8 +3798,9 @@
             <a:pPr algn="r"/>
             <a:r>
               <a:rPr lang="en-US" sz="700" dirty="0">
-                <a:latin typeface="Helvetica Neue Light" panose="02000403000000020004" pitchFamily="2" charset="0"/>
+                <a:latin typeface="Arial" panose="020B0604020202020204" pitchFamily="34" charset="0"/>
                 <a:ea typeface="Helvetica Neue Light" panose="02000403000000020004" pitchFamily="2" charset="0"/>
+                <a:cs typeface="Arial" panose="020B0604020202020204" pitchFamily="34" charset="0"/>
               </a:rPr>
               <a:t>4</a:t>
             </a:r>
@@ -3818,8 +3838,9 @@
             <a:pPr algn="r"/>
             <a:r>
               <a:rPr lang="en-US" sz="700" dirty="0">
-                <a:latin typeface="Helvetica Neue Light" panose="02000403000000020004" pitchFamily="2" charset="0"/>
+                <a:latin typeface="Arial" panose="020B0604020202020204" pitchFamily="34" charset="0"/>
                 <a:ea typeface="Helvetica Neue Light" panose="02000403000000020004" pitchFamily="2" charset="0"/>
+                <a:cs typeface="Arial" panose="020B0604020202020204" pitchFamily="34" charset="0"/>
               </a:rPr>
               <a:t>5</a:t>
             </a:r>
@@ -3840,8 +3861,8 @@
         </p:nvSpPr>
         <p:spPr>
           <a:xfrm rot="16200000">
-            <a:off x="1538824" y="5824316"/>
-            <a:ext cx="684803" cy="230832"/>
+            <a:off x="1532412" y="5824316"/>
+            <a:ext cx="697627" cy="230832"/>
           </a:xfrm>
           <a:prstGeom prst="rect">
             <a:avLst/>
@@ -3856,8 +3877,9 @@
           <a:p>
             <a:r>
               <a:rPr lang="en-US" sz="900" dirty="0">
-                <a:latin typeface="Helvetica Neue Light" panose="02000403000000020004" pitchFamily="2" charset="0"/>
+                <a:latin typeface="Arial" panose="020B0604020202020204" pitchFamily="34" charset="0"/>
                 <a:ea typeface="Helvetica Neue Light" panose="02000403000000020004" pitchFamily="2" charset="0"/>
+                <a:cs typeface="Arial" panose="020B0604020202020204" pitchFamily="34" charset="0"/>
               </a:rPr>
               <a:t># neurons</a:t>
             </a:r>
@@ -3895,8 +3917,9 @@
             <a:pPr algn="r"/>
             <a:r>
               <a:rPr lang="en-US" sz="700" dirty="0">
-                <a:latin typeface="Helvetica Neue Light" panose="02000403000000020004" pitchFamily="2" charset="0"/>
+                <a:latin typeface="Arial" panose="020B0604020202020204" pitchFamily="34" charset="0"/>
                 <a:ea typeface="Helvetica Neue Light" panose="02000403000000020004" pitchFamily="2" charset="0"/>
+                <a:cs typeface="Arial" panose="020B0604020202020204" pitchFamily="34" charset="0"/>
               </a:rPr>
               <a:t>0</a:t>
             </a:r>
@@ -3934,8 +3957,9 @@
             <a:pPr algn="r"/>
             <a:r>
               <a:rPr lang="en-US" sz="700" dirty="0">
-                <a:latin typeface="Helvetica Neue Light" panose="02000403000000020004" pitchFamily="2" charset="0"/>
+                <a:latin typeface="Arial" panose="020B0604020202020204" pitchFamily="34" charset="0"/>
                 <a:ea typeface="Helvetica Neue Light" panose="02000403000000020004" pitchFamily="2" charset="0"/>
+                <a:cs typeface="Arial" panose="020B0604020202020204" pitchFamily="34" charset="0"/>
               </a:rPr>
               <a:t>100</a:t>
             </a:r>
@@ -3984,6 +4008,1045 @@
     <p:extLst>
       <p:ext uri="{BB962C8B-B14F-4D97-AF65-F5344CB8AC3E}">
         <p14:creationId xmlns:p14="http://schemas.microsoft.com/office/powerpoint/2010/main" val="3863797691"/>
+      </p:ext>
+    </p:extLst>
+  </p:cSld>
+  <p:clrMapOvr>
+    <a:masterClrMapping/>
+  </p:clrMapOvr>
+</p:sld>
+</file>
+
+<file path=ppt/slides/slide2.xml><?xml version="1.0" encoding="utf-8"?>
+<p:sld xmlns:a="http://schemas.openxmlformats.org/drawingml/2006/main" xmlns:r="http://schemas.openxmlformats.org/officeDocument/2006/relationships" xmlns:p="http://schemas.openxmlformats.org/presentationml/2006/main">
+  <p:cSld>
+    <p:spTree>
+      <p:nvGrpSpPr>
+        <p:cNvPr id="1" name=""/>
+        <p:cNvGrpSpPr/>
+        <p:nvPr/>
+      </p:nvGrpSpPr>
+      <p:grpSpPr>
+        <a:xfrm>
+          <a:off x="0" y="0"/>
+          <a:ext cx="0" cy="0"/>
+          <a:chOff x="0" y="0"/>
+          <a:chExt cx="0" cy="0"/>
+        </a:xfrm>
+      </p:grpSpPr>
+      <p:sp>
+        <p:nvSpPr>
+          <p:cNvPr id="1877" name="ZoneTexte 1876">
+            <a:extLst>
+              <a:ext uri="{FF2B5EF4-FFF2-40B4-BE49-F238E27FC236}">
+                <a16:creationId xmlns:a16="http://schemas.microsoft.com/office/drawing/2014/main" id="{71208763-D99C-CF4C-A0D3-6B0A3F76219F}"/>
+              </a:ext>
+            </a:extLst>
+          </p:cNvPr>
+          <p:cNvSpPr txBox="1"/>
+          <p:nvPr/>
+        </p:nvSpPr>
+        <p:spPr>
+          <a:xfrm>
+            <a:off x="5463788" y="5623401"/>
+            <a:ext cx="333114" cy="230832"/>
+          </a:xfrm>
+          <a:prstGeom prst="rect">
+            <a:avLst/>
+          </a:prstGeom>
+          <a:noFill/>
+        </p:spPr>
+        <p:txBody>
+          <a:bodyPr wrap="none" rtlCol="0">
+            <a:spAutoFit/>
+          </a:bodyPr>
+          <a:lstStyle/>
+          <a:p>
+            <a:r>
+              <a:rPr lang="en-US" sz="900" dirty="0" err="1">
+                <a:latin typeface="Helvetica Neue Light" panose="02000403000000020004" pitchFamily="2" charset="0"/>
+                <a:ea typeface="Helvetica Neue Light" panose="02000403000000020004" pitchFamily="2" charset="0"/>
+              </a:rPr>
+              <a:t>f</a:t>
+            </a:r>
+            <a:r>
+              <a:rPr lang="en-US" sz="900" baseline="-25000" dirty="0" err="1">
+                <a:latin typeface="Helvetica Neue Light" panose="02000403000000020004" pitchFamily="2" charset="0"/>
+                <a:ea typeface="Helvetica Neue Light" panose="02000403000000020004" pitchFamily="2" charset="0"/>
+              </a:rPr>
+              <a:t>burst</a:t>
+            </a:r>
+            <a:endParaRPr lang="en-US" sz="900" dirty="0">
+              <a:latin typeface="Helvetica Neue Light" panose="02000403000000020004" pitchFamily="2" charset="0"/>
+              <a:ea typeface="Helvetica Neue Light" panose="02000403000000020004" pitchFamily="2" charset="0"/>
+            </a:endParaRPr>
+          </a:p>
+        </p:txBody>
+      </p:sp>
+      <p:pic>
+        <p:nvPicPr>
+          <p:cNvPr id="1882" name="Image 1881">
+            <a:extLst>
+              <a:ext uri="{FF2B5EF4-FFF2-40B4-BE49-F238E27FC236}">
+                <a16:creationId xmlns:a16="http://schemas.microsoft.com/office/drawing/2014/main" id="{DE1A456F-3923-0D3C-49A3-82D9AE6B42F3}"/>
+              </a:ext>
+            </a:extLst>
+          </p:cNvPr>
+          <p:cNvPicPr>
+            <a:picLocks noChangeAspect="1"/>
+          </p:cNvPicPr>
+          <p:nvPr/>
+        </p:nvPicPr>
+        <p:blipFill rotWithShape="1">
+          <a:blip r:embed="rId2"/>
+          <a:srcRect l="59097" t="-754" r="28608" b="-4124"/>
+          <a:stretch/>
+        </p:blipFill>
+        <p:spPr>
+          <a:xfrm>
+            <a:off x="5370671" y="5901397"/>
+            <a:ext cx="1080285" cy="451878"/>
+          </a:xfrm>
+          <a:prstGeom prst="rect">
+            <a:avLst/>
+          </a:prstGeom>
+        </p:spPr>
+      </p:pic>
+      <p:cxnSp>
+        <p:nvCxnSpPr>
+          <p:cNvPr id="1884" name="Connecteur droit 1883">
+            <a:extLst>
+              <a:ext uri="{FF2B5EF4-FFF2-40B4-BE49-F238E27FC236}">
+                <a16:creationId xmlns:a16="http://schemas.microsoft.com/office/drawing/2014/main" id="{ACA79F24-3F86-AC6E-523C-53737BCBA168}"/>
+              </a:ext>
+            </a:extLst>
+          </p:cNvPr>
+          <p:cNvCxnSpPr>
+            <a:cxnSpLocks/>
+          </p:cNvCxnSpPr>
+          <p:nvPr/>
+        </p:nvCxnSpPr>
+        <p:spPr>
+          <a:xfrm>
+            <a:off x="5553699" y="5861086"/>
+            <a:ext cx="595354" cy="0"/>
+          </a:xfrm>
+          <a:prstGeom prst="line">
+            <a:avLst/>
+          </a:prstGeom>
+          <a:ln>
+            <a:solidFill>
+              <a:schemeClr val="tx1"/>
+            </a:solidFill>
+          </a:ln>
+        </p:spPr>
+        <p:style>
+          <a:lnRef idx="1">
+            <a:schemeClr val="accent1"/>
+          </a:lnRef>
+          <a:fillRef idx="0">
+            <a:schemeClr val="accent1"/>
+          </a:fillRef>
+          <a:effectRef idx="0">
+            <a:schemeClr val="accent1"/>
+          </a:effectRef>
+          <a:fontRef idx="minor">
+            <a:schemeClr val="tx1"/>
+          </a:fontRef>
+        </p:style>
+      </p:cxnSp>
+      <p:cxnSp>
+        <p:nvCxnSpPr>
+          <p:cNvPr id="1889" name="Connecteur droit 1888">
+            <a:extLst>
+              <a:ext uri="{FF2B5EF4-FFF2-40B4-BE49-F238E27FC236}">
+                <a16:creationId xmlns:a16="http://schemas.microsoft.com/office/drawing/2014/main" id="{A5283C10-E865-4232-87B7-39E7954C3EFA}"/>
+              </a:ext>
+            </a:extLst>
+          </p:cNvPr>
+          <p:cNvCxnSpPr>
+            <a:cxnSpLocks/>
+          </p:cNvCxnSpPr>
+          <p:nvPr/>
+        </p:nvCxnSpPr>
+        <p:spPr>
+          <a:xfrm>
+            <a:off x="5620574" y="6326529"/>
+            <a:ext cx="85891" cy="63351"/>
+          </a:xfrm>
+          <a:prstGeom prst="line">
+            <a:avLst/>
+          </a:prstGeom>
+          <a:ln>
+            <a:solidFill>
+              <a:schemeClr val="tx1"/>
+            </a:solidFill>
+          </a:ln>
+        </p:spPr>
+        <p:style>
+          <a:lnRef idx="1">
+            <a:schemeClr val="accent1"/>
+          </a:lnRef>
+          <a:fillRef idx="0">
+            <a:schemeClr val="accent1"/>
+          </a:fillRef>
+          <a:effectRef idx="0">
+            <a:schemeClr val="accent1"/>
+          </a:effectRef>
+          <a:fontRef idx="minor">
+            <a:schemeClr val="tx1"/>
+          </a:fontRef>
+        </p:style>
+      </p:cxnSp>
+      <p:cxnSp>
+        <p:nvCxnSpPr>
+          <p:cNvPr id="1894" name="Connecteur droit 1893">
+            <a:extLst>
+              <a:ext uri="{FF2B5EF4-FFF2-40B4-BE49-F238E27FC236}">
+                <a16:creationId xmlns:a16="http://schemas.microsoft.com/office/drawing/2014/main" id="{AD903799-01E8-AB08-9A97-62C1A4C0893A}"/>
+              </a:ext>
+            </a:extLst>
+          </p:cNvPr>
+          <p:cNvCxnSpPr>
+            <a:cxnSpLocks/>
+          </p:cNvCxnSpPr>
+          <p:nvPr/>
+        </p:nvCxnSpPr>
+        <p:spPr>
+          <a:xfrm flipH="1">
+            <a:off x="5478369" y="6328877"/>
+            <a:ext cx="87206" cy="64800"/>
+          </a:xfrm>
+          <a:prstGeom prst="line">
+            <a:avLst/>
+          </a:prstGeom>
+          <a:ln>
+            <a:solidFill>
+              <a:schemeClr val="tx1"/>
+            </a:solidFill>
+          </a:ln>
+        </p:spPr>
+        <p:style>
+          <a:lnRef idx="1">
+            <a:schemeClr val="accent1"/>
+          </a:lnRef>
+          <a:fillRef idx="0">
+            <a:schemeClr val="accent1"/>
+          </a:fillRef>
+          <a:effectRef idx="0">
+            <a:schemeClr val="accent1"/>
+          </a:effectRef>
+          <a:fontRef idx="minor">
+            <a:schemeClr val="tx1"/>
+          </a:fontRef>
+        </p:style>
+      </p:cxnSp>
+      <p:sp>
+        <p:nvSpPr>
+          <p:cNvPr id="1896" name="ZoneTexte 1895">
+            <a:extLst>
+              <a:ext uri="{FF2B5EF4-FFF2-40B4-BE49-F238E27FC236}">
+                <a16:creationId xmlns:a16="http://schemas.microsoft.com/office/drawing/2014/main" id="{76C99F84-F108-7DA3-6EBB-67F54A9B2672}"/>
+              </a:ext>
+            </a:extLst>
+          </p:cNvPr>
+          <p:cNvSpPr txBox="1"/>
+          <p:nvPr/>
+        </p:nvSpPr>
+        <p:spPr>
+          <a:xfrm>
+            <a:off x="5439373" y="6429644"/>
+            <a:ext cx="302604" cy="230832"/>
+          </a:xfrm>
+          <a:prstGeom prst="rect">
+            <a:avLst/>
+          </a:prstGeom>
+          <a:noFill/>
+        </p:spPr>
+        <p:txBody>
+          <a:bodyPr wrap="none" rtlCol="0">
+            <a:spAutoFit/>
+          </a:bodyPr>
+          <a:lstStyle/>
+          <a:p>
+            <a:r>
+              <a:rPr lang="en-US" sz="900" dirty="0">
+                <a:latin typeface="Helvetica Neue Light" panose="02000403000000020004" pitchFamily="2" charset="0"/>
+                <a:ea typeface="Helvetica Neue Light" panose="02000403000000020004" pitchFamily="2" charset="0"/>
+              </a:rPr>
+              <a:t>IBF</a:t>
+            </a:r>
+          </a:p>
+        </p:txBody>
+      </p:sp>
+      <p:sp>
+        <p:nvSpPr>
+          <p:cNvPr id="1897" name="ZoneTexte 1896">
+            <a:extLst>
+              <a:ext uri="{FF2B5EF4-FFF2-40B4-BE49-F238E27FC236}">
+                <a16:creationId xmlns:a16="http://schemas.microsoft.com/office/drawing/2014/main" id="{74ED1E45-91F6-38F1-0F8A-58809DFF526E}"/>
+              </a:ext>
+            </a:extLst>
+          </p:cNvPr>
+          <p:cNvSpPr txBox="1"/>
+          <p:nvPr/>
+        </p:nvSpPr>
+        <p:spPr>
+          <a:xfrm>
+            <a:off x="6044342" y="6429644"/>
+            <a:ext cx="406614" cy="230832"/>
+          </a:xfrm>
+          <a:prstGeom prst="rect">
+            <a:avLst/>
+          </a:prstGeom>
+          <a:noFill/>
+        </p:spPr>
+        <p:txBody>
+          <a:bodyPr wrap="none" rtlCol="0">
+            <a:spAutoFit/>
+          </a:bodyPr>
+          <a:lstStyle/>
+          <a:p>
+            <a:r>
+              <a:rPr lang="en-US" sz="900" dirty="0">
+                <a:latin typeface="Helvetica Neue Light" panose="02000403000000020004" pitchFamily="2" charset="0"/>
+                <a:ea typeface="Helvetica Neue Light" panose="02000403000000020004" pitchFamily="2" charset="0"/>
+              </a:rPr>
+              <a:t>SPB</a:t>
+            </a:r>
+          </a:p>
+        </p:txBody>
+      </p:sp>
+      <p:sp>
+        <p:nvSpPr>
+          <p:cNvPr id="1898" name="ZoneTexte 1897">
+            <a:extLst>
+              <a:ext uri="{FF2B5EF4-FFF2-40B4-BE49-F238E27FC236}">
+                <a16:creationId xmlns:a16="http://schemas.microsoft.com/office/drawing/2014/main" id="{34A1613B-5521-BD29-747D-03EB95E7087E}"/>
+              </a:ext>
+            </a:extLst>
+          </p:cNvPr>
+          <p:cNvSpPr txBox="1"/>
+          <p:nvPr/>
+        </p:nvSpPr>
+        <p:spPr>
+          <a:xfrm>
+            <a:off x="6034311" y="6253247"/>
+            <a:ext cx="333114" cy="200055"/>
+          </a:xfrm>
+          <a:prstGeom prst="rect">
+            <a:avLst/>
+          </a:prstGeom>
+          <a:noFill/>
+        </p:spPr>
+        <p:txBody>
+          <a:bodyPr wrap="none" rtlCol="0">
+            <a:spAutoFit/>
+          </a:bodyPr>
+          <a:lstStyle/>
+          <a:p>
+            <a:r>
+              <a:rPr lang="en-US" sz="700" dirty="0">
+                <a:latin typeface="Helvetica Neue Light" panose="02000403000000020004" pitchFamily="2" charset="0"/>
+                <a:ea typeface="Helvetica Neue Light" panose="02000403000000020004" pitchFamily="2" charset="0"/>
+              </a:rPr>
+              <a:t>1 2 3</a:t>
+            </a:r>
+          </a:p>
+        </p:txBody>
+      </p:sp>
+      <p:sp>
+        <p:nvSpPr>
+          <p:cNvPr id="1920" name="ZoneTexte 1919">
+            <a:extLst>
+              <a:ext uri="{FF2B5EF4-FFF2-40B4-BE49-F238E27FC236}">
+                <a16:creationId xmlns:a16="http://schemas.microsoft.com/office/drawing/2014/main" id="{D1A7E198-43BD-8DDA-0CC2-26AEF4258F4D}"/>
+              </a:ext>
+            </a:extLst>
+          </p:cNvPr>
+          <p:cNvSpPr txBox="1"/>
+          <p:nvPr/>
+        </p:nvSpPr>
+        <p:spPr>
+          <a:xfrm>
+            <a:off x="2288145" y="6429644"/>
+            <a:ext cx="617477" cy="230832"/>
+          </a:xfrm>
+          <a:prstGeom prst="rect">
+            <a:avLst/>
+          </a:prstGeom>
+          <a:noFill/>
+        </p:spPr>
+        <p:txBody>
+          <a:bodyPr wrap="none" rtlCol="0">
+            <a:spAutoFit/>
+          </a:bodyPr>
+          <a:lstStyle/>
+          <a:p>
+            <a:r>
+              <a:rPr lang="en-US" sz="900" dirty="0" err="1">
+                <a:latin typeface="Helvetica Neue Light" panose="02000403000000020004" pitchFamily="2" charset="0"/>
+                <a:ea typeface="Helvetica Neue Light" panose="02000403000000020004" pitchFamily="2" charset="0"/>
+              </a:rPr>
+              <a:t>f</a:t>
+            </a:r>
+            <a:r>
+              <a:rPr lang="en-US" sz="900" baseline="-25000" dirty="0" err="1">
+                <a:latin typeface="Helvetica Neue Light" panose="02000403000000020004" pitchFamily="2" charset="0"/>
+                <a:ea typeface="Helvetica Neue Light" panose="02000403000000020004" pitchFamily="2" charset="0"/>
+              </a:rPr>
+              <a:t>burst</a:t>
+            </a:r>
+            <a:r>
+              <a:rPr lang="en-US" sz="900" baseline="-25000" dirty="0">
+                <a:latin typeface="Helvetica Neue Light" panose="02000403000000020004" pitchFamily="2" charset="0"/>
+                <a:ea typeface="Helvetica Neue Light" panose="02000403000000020004" pitchFamily="2" charset="0"/>
+              </a:rPr>
+              <a:t> </a:t>
+            </a:r>
+            <a:r>
+              <a:rPr lang="en-US" sz="900" dirty="0">
+                <a:latin typeface="Helvetica Neue Light" panose="02000403000000020004" pitchFamily="2" charset="0"/>
+                <a:ea typeface="Helvetica Neue Light" panose="02000403000000020004" pitchFamily="2" charset="0"/>
+              </a:rPr>
+              <a:t>(Hz)</a:t>
+            </a:r>
+          </a:p>
+        </p:txBody>
+      </p:sp>
+      <p:sp>
+        <p:nvSpPr>
+          <p:cNvPr id="1921" name="ZoneTexte 1920">
+            <a:extLst>
+              <a:ext uri="{FF2B5EF4-FFF2-40B4-BE49-F238E27FC236}">
+                <a16:creationId xmlns:a16="http://schemas.microsoft.com/office/drawing/2014/main" id="{239D334A-39E0-EA9E-A3CF-0483653BF741}"/>
+              </a:ext>
+            </a:extLst>
+          </p:cNvPr>
+          <p:cNvSpPr txBox="1"/>
+          <p:nvPr/>
+        </p:nvSpPr>
+        <p:spPr>
+          <a:xfrm>
+            <a:off x="3430869" y="6429644"/>
+            <a:ext cx="591829" cy="230832"/>
+          </a:xfrm>
+          <a:prstGeom prst="rect">
+            <a:avLst/>
+          </a:prstGeom>
+          <a:noFill/>
+        </p:spPr>
+        <p:txBody>
+          <a:bodyPr wrap="none" rtlCol="0">
+            <a:spAutoFit/>
+          </a:bodyPr>
+          <a:lstStyle/>
+          <a:p>
+            <a:r>
+              <a:rPr lang="en-US" sz="900" dirty="0">
+                <a:latin typeface="Helvetica Neue Light" panose="02000403000000020004" pitchFamily="2" charset="0"/>
+                <a:ea typeface="Helvetica Neue Light" panose="02000403000000020004" pitchFamily="2" charset="0"/>
+              </a:rPr>
+              <a:t>IBF (Hz)</a:t>
+            </a:r>
+          </a:p>
+        </p:txBody>
+      </p:sp>
+      <p:sp>
+        <p:nvSpPr>
+          <p:cNvPr id="1922" name="ZoneTexte 1921">
+            <a:extLst>
+              <a:ext uri="{FF2B5EF4-FFF2-40B4-BE49-F238E27FC236}">
+                <a16:creationId xmlns:a16="http://schemas.microsoft.com/office/drawing/2014/main" id="{EC4F4DEA-40A5-FE2B-5C5E-02FEE6F3D1BD}"/>
+              </a:ext>
+            </a:extLst>
+          </p:cNvPr>
+          <p:cNvSpPr txBox="1"/>
+          <p:nvPr/>
+        </p:nvSpPr>
+        <p:spPr>
+          <a:xfrm>
+            <a:off x="4617175" y="6429644"/>
+            <a:ext cx="405880" cy="230832"/>
+          </a:xfrm>
+          <a:prstGeom prst="rect">
+            <a:avLst/>
+          </a:prstGeom>
+          <a:noFill/>
+        </p:spPr>
+        <p:txBody>
+          <a:bodyPr wrap="none" rtlCol="0">
+            <a:spAutoFit/>
+          </a:bodyPr>
+          <a:lstStyle/>
+          <a:p>
+            <a:r>
+              <a:rPr lang="en-US" sz="900" dirty="0">
+                <a:latin typeface="Helvetica Neue Light" panose="02000403000000020004" pitchFamily="2" charset="0"/>
+                <a:ea typeface="Helvetica Neue Light" panose="02000403000000020004" pitchFamily="2" charset="0"/>
+              </a:rPr>
+              <a:t>SPB</a:t>
+            </a:r>
+          </a:p>
+        </p:txBody>
+      </p:sp>
+      <p:sp>
+        <p:nvSpPr>
+          <p:cNvPr id="1938" name="ZoneTexte 1937">
+            <a:extLst>
+              <a:ext uri="{FF2B5EF4-FFF2-40B4-BE49-F238E27FC236}">
+                <a16:creationId xmlns:a16="http://schemas.microsoft.com/office/drawing/2014/main" id="{38090FE8-348B-79AC-2604-4D51314113EB}"/>
+              </a:ext>
+            </a:extLst>
+          </p:cNvPr>
+          <p:cNvSpPr txBox="1"/>
+          <p:nvPr/>
+        </p:nvSpPr>
+        <p:spPr>
+          <a:xfrm>
+            <a:off x="2057023" y="6261194"/>
+            <a:ext cx="234360" cy="200055"/>
+          </a:xfrm>
+          <a:prstGeom prst="rect">
+            <a:avLst/>
+          </a:prstGeom>
+          <a:noFill/>
+        </p:spPr>
+        <p:txBody>
+          <a:bodyPr wrap="none" rtlCol="0">
+            <a:spAutoFit/>
+          </a:bodyPr>
+          <a:lstStyle/>
+          <a:p>
+            <a:pPr algn="r"/>
+            <a:r>
+              <a:rPr lang="en-US" sz="700" dirty="0">
+                <a:latin typeface="Helvetica Neue Light" panose="02000403000000020004" pitchFamily="2" charset="0"/>
+                <a:ea typeface="Helvetica Neue Light" panose="02000403000000020004" pitchFamily="2" charset="0"/>
+              </a:rPr>
+              <a:t>3</a:t>
+            </a:r>
+          </a:p>
+        </p:txBody>
+      </p:sp>
+      <p:sp>
+        <p:nvSpPr>
+          <p:cNvPr id="1939" name="ZoneTexte 1938">
+            <a:extLst>
+              <a:ext uri="{FF2B5EF4-FFF2-40B4-BE49-F238E27FC236}">
+                <a16:creationId xmlns:a16="http://schemas.microsoft.com/office/drawing/2014/main" id="{AB12741E-08AC-F29E-BA80-61ED59ED8FE2}"/>
+              </a:ext>
+            </a:extLst>
+          </p:cNvPr>
+          <p:cNvSpPr txBox="1"/>
+          <p:nvPr/>
+        </p:nvSpPr>
+        <p:spPr>
+          <a:xfrm>
+            <a:off x="2895254" y="6261194"/>
+            <a:ext cx="234360" cy="200055"/>
+          </a:xfrm>
+          <a:prstGeom prst="rect">
+            <a:avLst/>
+          </a:prstGeom>
+          <a:noFill/>
+        </p:spPr>
+        <p:txBody>
+          <a:bodyPr wrap="none" rtlCol="0">
+            <a:spAutoFit/>
+          </a:bodyPr>
+          <a:lstStyle/>
+          <a:p>
+            <a:pPr algn="r"/>
+            <a:r>
+              <a:rPr lang="en-US" sz="700" dirty="0">
+                <a:latin typeface="Helvetica Neue Light" panose="02000403000000020004" pitchFamily="2" charset="0"/>
+                <a:ea typeface="Helvetica Neue Light" panose="02000403000000020004" pitchFamily="2" charset="0"/>
+              </a:rPr>
+              <a:t>4</a:t>
+            </a:r>
+          </a:p>
+        </p:txBody>
+      </p:sp>
+      <p:sp>
+        <p:nvSpPr>
+          <p:cNvPr id="1942" name="ZoneTexte 1941">
+            <a:extLst>
+              <a:ext uri="{FF2B5EF4-FFF2-40B4-BE49-F238E27FC236}">
+                <a16:creationId xmlns:a16="http://schemas.microsoft.com/office/drawing/2014/main" id="{224CDAE5-0B49-4B9E-11A0-D23291CA9B92}"/>
+              </a:ext>
+            </a:extLst>
+          </p:cNvPr>
+          <p:cNvSpPr txBox="1"/>
+          <p:nvPr/>
+        </p:nvSpPr>
+        <p:spPr>
+          <a:xfrm>
+            <a:off x="3192000" y="6261194"/>
+            <a:ext cx="234360" cy="200055"/>
+          </a:xfrm>
+          <a:prstGeom prst="rect">
+            <a:avLst/>
+          </a:prstGeom>
+          <a:noFill/>
+        </p:spPr>
+        <p:txBody>
+          <a:bodyPr wrap="none" rtlCol="0">
+            <a:spAutoFit/>
+          </a:bodyPr>
+          <a:lstStyle/>
+          <a:p>
+            <a:pPr algn="r"/>
+            <a:r>
+              <a:rPr lang="en-US" sz="700" dirty="0">
+                <a:latin typeface="Helvetica Neue Light" panose="02000403000000020004" pitchFamily="2" charset="0"/>
+                <a:ea typeface="Helvetica Neue Light" panose="02000403000000020004" pitchFamily="2" charset="0"/>
+              </a:rPr>
+              <a:t>0</a:t>
+            </a:r>
+          </a:p>
+        </p:txBody>
+      </p:sp>
+      <p:sp>
+        <p:nvSpPr>
+          <p:cNvPr id="1943" name="ZoneTexte 1942">
+            <a:extLst>
+              <a:ext uri="{FF2B5EF4-FFF2-40B4-BE49-F238E27FC236}">
+                <a16:creationId xmlns:a16="http://schemas.microsoft.com/office/drawing/2014/main" id="{6474625E-8DEB-7F60-B32A-6E779194A566}"/>
+              </a:ext>
+            </a:extLst>
+          </p:cNvPr>
+          <p:cNvSpPr txBox="1"/>
+          <p:nvPr/>
+        </p:nvSpPr>
+        <p:spPr>
+          <a:xfrm>
+            <a:off x="3979441" y="6261194"/>
+            <a:ext cx="333746" cy="200055"/>
+          </a:xfrm>
+          <a:prstGeom prst="rect">
+            <a:avLst/>
+          </a:prstGeom>
+          <a:noFill/>
+        </p:spPr>
+        <p:txBody>
+          <a:bodyPr wrap="none" rtlCol="0">
+            <a:spAutoFit/>
+          </a:bodyPr>
+          <a:lstStyle/>
+          <a:p>
+            <a:pPr algn="r"/>
+            <a:r>
+              <a:rPr lang="en-US" sz="700" dirty="0">
+                <a:latin typeface="Helvetica Neue Light" panose="02000403000000020004" pitchFamily="2" charset="0"/>
+                <a:ea typeface="Helvetica Neue Light" panose="02000403000000020004" pitchFamily="2" charset="0"/>
+              </a:rPr>
+              <a:t>100</a:t>
+            </a:r>
+          </a:p>
+        </p:txBody>
+      </p:sp>
+      <p:sp>
+        <p:nvSpPr>
+          <p:cNvPr id="1945" name="ZoneTexte 1944">
+            <a:extLst>
+              <a:ext uri="{FF2B5EF4-FFF2-40B4-BE49-F238E27FC236}">
+                <a16:creationId xmlns:a16="http://schemas.microsoft.com/office/drawing/2014/main" id="{93C22DA8-D194-473F-F3BA-9C1758B24BA5}"/>
+              </a:ext>
+            </a:extLst>
+          </p:cNvPr>
+          <p:cNvSpPr txBox="1"/>
+          <p:nvPr/>
+        </p:nvSpPr>
+        <p:spPr>
+          <a:xfrm>
+            <a:off x="4459533" y="6261194"/>
+            <a:ext cx="234360" cy="200055"/>
+          </a:xfrm>
+          <a:prstGeom prst="rect">
+            <a:avLst/>
+          </a:prstGeom>
+          <a:noFill/>
+        </p:spPr>
+        <p:txBody>
+          <a:bodyPr wrap="none" rtlCol="0">
+            <a:spAutoFit/>
+          </a:bodyPr>
+          <a:lstStyle/>
+          <a:p>
+            <a:pPr algn="r"/>
+            <a:r>
+              <a:rPr lang="en-US" sz="700" dirty="0">
+                <a:latin typeface="Helvetica Neue Light" panose="02000403000000020004" pitchFamily="2" charset="0"/>
+                <a:ea typeface="Helvetica Neue Light" panose="02000403000000020004" pitchFamily="2" charset="0"/>
+              </a:rPr>
+              <a:t>2</a:t>
+            </a:r>
+          </a:p>
+        </p:txBody>
+      </p:sp>
+      <p:pic>
+        <p:nvPicPr>
+          <p:cNvPr id="1812" name="Image 1811">
+            <a:extLst>
+              <a:ext uri="{FF2B5EF4-FFF2-40B4-BE49-F238E27FC236}">
+                <a16:creationId xmlns:a16="http://schemas.microsoft.com/office/drawing/2014/main" id="{288396ED-ECC8-EA1F-D4C2-C814C0528B2B}"/>
+              </a:ext>
+            </a:extLst>
+          </p:cNvPr>
+          <p:cNvPicPr>
+            <a:picLocks noChangeAspect="1"/>
+          </p:cNvPicPr>
+          <p:nvPr/>
+        </p:nvPicPr>
+        <p:blipFill>
+          <a:blip r:embed="rId3"/>
+          <a:srcRect/>
+          <a:stretch/>
+        </p:blipFill>
+        <p:spPr>
+          <a:xfrm>
+            <a:off x="2174437" y="5577783"/>
+            <a:ext cx="844892" cy="723900"/>
+          </a:xfrm>
+          <a:prstGeom prst="rect">
+            <a:avLst/>
+          </a:prstGeom>
+        </p:spPr>
+      </p:pic>
+      <p:pic>
+        <p:nvPicPr>
+          <p:cNvPr id="1814" name="Image 1813">
+            <a:extLst>
+              <a:ext uri="{FF2B5EF4-FFF2-40B4-BE49-F238E27FC236}">
+                <a16:creationId xmlns:a16="http://schemas.microsoft.com/office/drawing/2014/main" id="{0C166790-FF04-3A71-A0FD-F34A111A7668}"/>
+              </a:ext>
+            </a:extLst>
+          </p:cNvPr>
+          <p:cNvPicPr>
+            <a:picLocks noChangeAspect="1"/>
+          </p:cNvPicPr>
+          <p:nvPr/>
+        </p:nvPicPr>
+        <p:blipFill>
+          <a:blip r:embed="rId4"/>
+          <a:srcRect/>
+          <a:stretch/>
+        </p:blipFill>
+        <p:spPr>
+          <a:xfrm>
+            <a:off x="3296663" y="5577783"/>
+            <a:ext cx="860240" cy="723900"/>
+          </a:xfrm>
+          <a:prstGeom prst="rect">
+            <a:avLst/>
+          </a:prstGeom>
+        </p:spPr>
+      </p:pic>
+      <p:pic>
+        <p:nvPicPr>
+          <p:cNvPr id="1818" name="Image 1817">
+            <a:extLst>
+              <a:ext uri="{FF2B5EF4-FFF2-40B4-BE49-F238E27FC236}">
+                <a16:creationId xmlns:a16="http://schemas.microsoft.com/office/drawing/2014/main" id="{FAA3BB2F-1A19-28BE-1A0D-24689825ED6B}"/>
+              </a:ext>
+            </a:extLst>
+          </p:cNvPr>
+          <p:cNvPicPr>
+            <a:picLocks noChangeAspect="1"/>
+          </p:cNvPicPr>
+          <p:nvPr/>
+        </p:nvPicPr>
+        <p:blipFill>
+          <a:blip r:embed="rId5"/>
+          <a:srcRect/>
+          <a:stretch/>
+        </p:blipFill>
+        <p:spPr>
+          <a:xfrm>
+            <a:off x="4388352" y="5577783"/>
+            <a:ext cx="863527" cy="723900"/>
+          </a:xfrm>
+          <a:prstGeom prst="rect">
+            <a:avLst/>
+          </a:prstGeom>
+        </p:spPr>
+      </p:pic>
+      <p:sp>
+        <p:nvSpPr>
+          <p:cNvPr id="1837" name="ZoneTexte 1836">
+            <a:extLst>
+              <a:ext uri="{FF2B5EF4-FFF2-40B4-BE49-F238E27FC236}">
+                <a16:creationId xmlns:a16="http://schemas.microsoft.com/office/drawing/2014/main" id="{E8B5658C-39BB-38B4-C3E4-B935815CB586}"/>
+              </a:ext>
+            </a:extLst>
+          </p:cNvPr>
+          <p:cNvSpPr txBox="1"/>
+          <p:nvPr/>
+        </p:nvSpPr>
+        <p:spPr>
+          <a:xfrm>
+            <a:off x="4626581" y="6261194"/>
+            <a:ext cx="234360" cy="200055"/>
+          </a:xfrm>
+          <a:prstGeom prst="rect">
+            <a:avLst/>
+          </a:prstGeom>
+          <a:noFill/>
+        </p:spPr>
+        <p:txBody>
+          <a:bodyPr wrap="none" rtlCol="0">
+            <a:spAutoFit/>
+          </a:bodyPr>
+          <a:lstStyle/>
+          <a:p>
+            <a:pPr algn="r"/>
+            <a:r>
+              <a:rPr lang="en-US" sz="700" dirty="0">
+                <a:latin typeface="Helvetica Neue Light" panose="02000403000000020004" pitchFamily="2" charset="0"/>
+                <a:ea typeface="Helvetica Neue Light" panose="02000403000000020004" pitchFamily="2" charset="0"/>
+              </a:rPr>
+              <a:t>3</a:t>
+            </a:r>
+          </a:p>
+        </p:txBody>
+      </p:sp>
+      <p:sp>
+        <p:nvSpPr>
+          <p:cNvPr id="1838" name="ZoneTexte 1837">
+            <a:extLst>
+              <a:ext uri="{FF2B5EF4-FFF2-40B4-BE49-F238E27FC236}">
+                <a16:creationId xmlns:a16="http://schemas.microsoft.com/office/drawing/2014/main" id="{50A60ECD-315A-16F3-DA64-577079955FC4}"/>
+              </a:ext>
+            </a:extLst>
+          </p:cNvPr>
+          <p:cNvSpPr txBox="1"/>
+          <p:nvPr/>
+        </p:nvSpPr>
+        <p:spPr>
+          <a:xfrm>
+            <a:off x="4790893" y="6261194"/>
+            <a:ext cx="234360" cy="200055"/>
+          </a:xfrm>
+          <a:prstGeom prst="rect">
+            <a:avLst/>
+          </a:prstGeom>
+          <a:noFill/>
+        </p:spPr>
+        <p:txBody>
+          <a:bodyPr wrap="none" rtlCol="0">
+            <a:spAutoFit/>
+          </a:bodyPr>
+          <a:lstStyle/>
+          <a:p>
+            <a:pPr algn="r"/>
+            <a:r>
+              <a:rPr lang="en-US" sz="700" dirty="0">
+                <a:latin typeface="Helvetica Neue Light" panose="02000403000000020004" pitchFamily="2" charset="0"/>
+                <a:ea typeface="Helvetica Neue Light" panose="02000403000000020004" pitchFamily="2" charset="0"/>
+              </a:rPr>
+              <a:t>4</a:t>
+            </a:r>
+          </a:p>
+        </p:txBody>
+      </p:sp>
+      <p:sp>
+        <p:nvSpPr>
+          <p:cNvPr id="1839" name="ZoneTexte 1838">
+            <a:extLst>
+              <a:ext uri="{FF2B5EF4-FFF2-40B4-BE49-F238E27FC236}">
+                <a16:creationId xmlns:a16="http://schemas.microsoft.com/office/drawing/2014/main" id="{C31A7C0C-58D9-8812-189C-0F27E2BECCB5}"/>
+              </a:ext>
+            </a:extLst>
+          </p:cNvPr>
+          <p:cNvSpPr txBox="1"/>
+          <p:nvPr/>
+        </p:nvSpPr>
+        <p:spPr>
+          <a:xfrm>
+            <a:off x="4961570" y="6261194"/>
+            <a:ext cx="234360" cy="200055"/>
+          </a:xfrm>
+          <a:prstGeom prst="rect">
+            <a:avLst/>
+          </a:prstGeom>
+          <a:noFill/>
+        </p:spPr>
+        <p:txBody>
+          <a:bodyPr wrap="none" rtlCol="0">
+            <a:spAutoFit/>
+          </a:bodyPr>
+          <a:lstStyle/>
+          <a:p>
+            <a:pPr algn="r"/>
+            <a:r>
+              <a:rPr lang="en-US" sz="700" dirty="0">
+                <a:latin typeface="Helvetica Neue Light" panose="02000403000000020004" pitchFamily="2" charset="0"/>
+                <a:ea typeface="Helvetica Neue Light" panose="02000403000000020004" pitchFamily="2" charset="0"/>
+              </a:rPr>
+              <a:t>5</a:t>
+            </a:r>
+          </a:p>
+        </p:txBody>
+      </p:sp>
+      <p:sp>
+        <p:nvSpPr>
+          <p:cNvPr id="1841" name="ZoneTexte 1840">
+            <a:extLst>
+              <a:ext uri="{FF2B5EF4-FFF2-40B4-BE49-F238E27FC236}">
+                <a16:creationId xmlns:a16="http://schemas.microsoft.com/office/drawing/2014/main" id="{9371B7B0-25A3-CBDE-DA29-65B5768366B2}"/>
+              </a:ext>
+            </a:extLst>
+          </p:cNvPr>
+          <p:cNvSpPr txBox="1"/>
+          <p:nvPr/>
+        </p:nvSpPr>
+        <p:spPr>
+          <a:xfrm rot="16200000">
+            <a:off x="1538824" y="5824316"/>
+            <a:ext cx="684803" cy="230832"/>
+          </a:xfrm>
+          <a:prstGeom prst="rect">
+            <a:avLst/>
+          </a:prstGeom>
+          <a:noFill/>
+        </p:spPr>
+        <p:txBody>
+          <a:bodyPr wrap="none" rtlCol="0">
+            <a:spAutoFit/>
+          </a:bodyPr>
+          <a:lstStyle/>
+          <a:p>
+            <a:r>
+              <a:rPr lang="en-US" sz="900" dirty="0">
+                <a:latin typeface="Helvetica Neue Light" panose="02000403000000020004" pitchFamily="2" charset="0"/>
+                <a:ea typeface="Helvetica Neue Light" panose="02000403000000020004" pitchFamily="2" charset="0"/>
+              </a:rPr>
+              <a:t># neurons</a:t>
+            </a:r>
+          </a:p>
+        </p:txBody>
+      </p:sp>
+      <p:sp>
+        <p:nvSpPr>
+          <p:cNvPr id="45" name="ZoneTexte 44">
+            <a:extLst>
+              <a:ext uri="{FF2B5EF4-FFF2-40B4-BE49-F238E27FC236}">
+                <a16:creationId xmlns:a16="http://schemas.microsoft.com/office/drawing/2014/main" id="{2FB2B72C-EAE7-9684-D238-186648985EAE}"/>
+              </a:ext>
+            </a:extLst>
+          </p:cNvPr>
+          <p:cNvSpPr txBox="1"/>
+          <p:nvPr/>
+        </p:nvSpPr>
+        <p:spPr>
+          <a:xfrm>
+            <a:off x="1981809" y="6188862"/>
+            <a:ext cx="234360" cy="200055"/>
+          </a:xfrm>
+          <a:prstGeom prst="rect">
+            <a:avLst/>
+          </a:prstGeom>
+          <a:noFill/>
+        </p:spPr>
+        <p:txBody>
+          <a:bodyPr wrap="none" rtlCol="0">
+            <a:spAutoFit/>
+          </a:bodyPr>
+          <a:lstStyle/>
+          <a:p>
+            <a:pPr algn="r"/>
+            <a:r>
+              <a:rPr lang="en-US" sz="700" dirty="0">
+                <a:latin typeface="Helvetica Neue Light" panose="02000403000000020004" pitchFamily="2" charset="0"/>
+                <a:ea typeface="Helvetica Neue Light" panose="02000403000000020004" pitchFamily="2" charset="0"/>
+              </a:rPr>
+              <a:t>0</a:t>
+            </a:r>
+          </a:p>
+        </p:txBody>
+      </p:sp>
+      <p:sp>
+        <p:nvSpPr>
+          <p:cNvPr id="46" name="ZoneTexte 45">
+            <a:extLst>
+              <a:ext uri="{FF2B5EF4-FFF2-40B4-BE49-F238E27FC236}">
+                <a16:creationId xmlns:a16="http://schemas.microsoft.com/office/drawing/2014/main" id="{928C1BB6-06F9-43B1-2F50-D9F0D5371BE7}"/>
+              </a:ext>
+            </a:extLst>
+          </p:cNvPr>
+          <p:cNvSpPr txBox="1"/>
+          <p:nvPr/>
+        </p:nvSpPr>
+        <p:spPr>
+          <a:xfrm>
+            <a:off x="1893181" y="5491991"/>
+            <a:ext cx="333746" cy="200055"/>
+          </a:xfrm>
+          <a:prstGeom prst="rect">
+            <a:avLst/>
+          </a:prstGeom>
+          <a:noFill/>
+        </p:spPr>
+        <p:txBody>
+          <a:bodyPr wrap="none" rtlCol="0">
+            <a:spAutoFit/>
+          </a:bodyPr>
+          <a:lstStyle/>
+          <a:p>
+            <a:pPr algn="r"/>
+            <a:r>
+              <a:rPr lang="en-US" sz="700" dirty="0">
+                <a:latin typeface="Helvetica Neue Light" panose="02000403000000020004" pitchFamily="2" charset="0"/>
+                <a:ea typeface="Helvetica Neue Light" panose="02000403000000020004" pitchFamily="2" charset="0"/>
+              </a:rPr>
+              <a:t>100</a:t>
+            </a:r>
+          </a:p>
+        </p:txBody>
+      </p:sp>
+      <p:cxnSp>
+        <p:nvCxnSpPr>
+          <p:cNvPr id="5" name="Connecteur droit 4">
+            <a:extLst>
+              <a:ext uri="{FF2B5EF4-FFF2-40B4-BE49-F238E27FC236}">
+                <a16:creationId xmlns:a16="http://schemas.microsoft.com/office/drawing/2014/main" id="{AB79ED55-D882-58C5-7713-A993FCA5B858}"/>
+              </a:ext>
+            </a:extLst>
+          </p:cNvPr>
+          <p:cNvCxnSpPr>
+            <a:cxnSpLocks/>
+          </p:cNvCxnSpPr>
+          <p:nvPr/>
+        </p:nvCxnSpPr>
+        <p:spPr>
+          <a:xfrm>
+            <a:off x="2595660" y="-323476"/>
+            <a:ext cx="0" cy="0"/>
+          </a:xfrm>
+          <a:prstGeom prst="line">
+            <a:avLst/>
+          </a:prstGeom>
+        </p:spPr>
+        <p:style>
+          <a:lnRef idx="1">
+            <a:schemeClr val="accent1"/>
+          </a:lnRef>
+          <a:fillRef idx="0">
+            <a:schemeClr val="accent1"/>
+          </a:fillRef>
+          <a:effectRef idx="0">
+            <a:schemeClr val="accent1"/>
+          </a:effectRef>
+          <a:fontRef idx="minor">
+            <a:schemeClr val="tx1"/>
+          </a:fontRef>
+        </p:style>
+      </p:cxnSp>
+    </p:spTree>
+    <p:extLst>
+      <p:ext uri="{BB962C8B-B14F-4D97-AF65-F5344CB8AC3E}">
+        <p14:creationId xmlns:p14="http://schemas.microsoft.com/office/powerpoint/2010/main" val="2199609845"/>
       </p:ext>
     </p:extLst>
   </p:cSld>
